--- a/1.IaaS/자료/3-tier 기본 환경 구성.pptx
+++ b/1.IaaS/자료/3-tier 기본 환경 구성.pptx
@@ -7369,7 +7369,7 @@
         <p:spPr>
           <a:xfrm>
             <a:off x="6522852" y="5804905"/>
-            <a:ext cx="2069651" cy="246221"/>
+            <a:ext cx="2403528" cy="246221"/>
           </a:xfrm>
           <a:prstGeom prst="rect">
             <a:avLst/>
@@ -7383,7 +7383,7 @@
           <a:lstStyle/>
           <a:p>
             <a:r>
-              <a:rPr lang="en-US" altLang="ko-KR" sz="1000" b="0" i="0" dirty="0">
+              <a:rPr lang="en-US" altLang="ko-KR" sz="1000" i="0" dirty="0">
                 <a:solidFill>
                   <a:srgbClr val="24292F"/>
                 </a:solidFill>
@@ -9099,6 +9099,15 @@
 </file>
 
 <file path=customXml/item1.xml><?xml version="1.0" encoding="utf-8"?>
+<?mso-contentType ?>
+<FormTemplates xmlns="http://schemas.microsoft.com/sharepoint/v3/contenttype/forms">
+  <Display>DocumentLibraryForm</Display>
+  <Edit>DocumentLibraryForm</Edit>
+  <New>DocumentLibraryForm</New>
+</FormTemplates>
+</file>
+
+<file path=customXml/item2.xml><?xml version="1.0" encoding="utf-8"?>
 <ct:contentTypeSchema xmlns:ct="http://schemas.microsoft.com/office/2006/metadata/contentType" xmlns:ma="http://schemas.microsoft.com/office/2006/metadata/properties/metaAttributes" ct:_="" ma:_="" ma:contentTypeName="Document" ma:contentTypeID="0x010100ABEF4548970FA44F9CC241B1AE635999" ma:contentTypeVersion="8" ma:contentTypeDescription="Create a new document." ma:contentTypeScope="" ma:versionID="e9878c6982014a57f80c7d0ef44dc11e">
   <xsd:schema xmlns:xsd="http://www.w3.org/2001/XMLSchema" xmlns:xs="http://www.w3.org/2001/XMLSchema" xmlns:p="http://schemas.microsoft.com/office/2006/metadata/properties" xmlns:ns2="03cb5c7b-df67-49fb-9ba2-44f7a2af7a58" targetNamespace="http://schemas.microsoft.com/office/2006/metadata/properties" ma:root="true" ma:fieldsID="af9bdf6547d8347bbb2a402cc99961a0" ns2:_="">
     <xsd:import namespace="03cb5c7b-df67-49fb-9ba2-44f7a2af7a58"/>
@@ -9270,15 +9279,6 @@
 </ct:contentTypeSchema>
 </file>
 
-<file path=customXml/item2.xml><?xml version="1.0" encoding="utf-8"?>
-<?mso-contentType ?>
-<FormTemplates xmlns="http://schemas.microsoft.com/sharepoint/v3/contenttype/forms">
-  <Display>DocumentLibraryForm</Display>
-  <Edit>DocumentLibraryForm</Edit>
-  <New>DocumentLibraryForm</New>
-</FormTemplates>
-</file>
-
 <file path=customXml/item3.xml><?xml version="1.0" encoding="utf-8"?>
 <p:properties xmlns:p="http://schemas.microsoft.com/office/2006/metadata/properties" xmlns:xsi="http://www.w3.org/2001/XMLSchema-instance" xmlns:pc="http://schemas.microsoft.com/office/infopath/2007/PartnerControls">
   <documentManagement/>
@@ -9286,6 +9286,14 @@
 </file>
 
 <file path=customXml/itemProps1.xml><?xml version="1.0" encoding="utf-8"?>
+<ds:datastoreItem xmlns:ds="http://schemas.openxmlformats.org/officeDocument/2006/customXml" ds:itemID="{0108BB32-F095-4499-B647-4494DBB16B4A}">
+  <ds:schemaRefs>
+    <ds:schemaRef ds:uri="http://schemas.microsoft.com/sharepoint/v3/contenttype/forms"/>
+  </ds:schemaRefs>
+</ds:datastoreItem>
+</file>
+
+<file path=customXml/itemProps2.xml><?xml version="1.0" encoding="utf-8"?>
 <ds:datastoreItem xmlns:ds="http://schemas.openxmlformats.org/officeDocument/2006/customXml" ds:itemID="{384DC346-DE8C-435E-8D1D-1B03BF9EDC65}">
   <ds:schemaRefs>
     <ds:schemaRef ds:uri="03cb5c7b-df67-49fb-9ba2-44f7a2af7a58"/>
@@ -9299,14 +9307,6 @@
     <ds:schemaRef ds:uri="http://schemas.microsoft.com/office/infopath/2007/PartnerControls"/>
     <ds:schemaRef ds:uri="http://schemas.openxmlformats.org/package/2006/metadata/core-properties"/>
     <ds:schemaRef ds:uri="http://www.w3.org/2001/XMLSchema"/>
-  </ds:schemaRefs>
-</ds:datastoreItem>
-</file>
-
-<file path=customXml/itemProps2.xml><?xml version="1.0" encoding="utf-8"?>
-<ds:datastoreItem xmlns:ds="http://schemas.openxmlformats.org/officeDocument/2006/customXml" ds:itemID="{0108BB32-F095-4499-B647-4494DBB16B4A}">
-  <ds:schemaRefs>
-    <ds:schemaRef ds:uri="http://schemas.microsoft.com/sharepoint/v3/contenttype/forms"/>
   </ds:schemaRefs>
 </ds:datastoreItem>
 </file>

--- a/1.IaaS/자료/3-tier 기본 환경 구성.pptx
+++ b/1.IaaS/자료/3-tier 기본 환경 구성.pptx
@@ -4002,8 +4002,8 @@
         </p:nvSpPr>
         <p:spPr>
           <a:xfrm>
-            <a:off x="8255037" y="3478383"/>
-            <a:ext cx="1292249" cy="793750"/>
+            <a:off x="7981373" y="3497117"/>
+            <a:ext cx="1629158" cy="793750"/>
           </a:xfrm>
           <a:prstGeom prst="rect">
             <a:avLst/>
@@ -4039,7 +4039,7 @@
               <a:defRPr/>
             </a:pPr>
             <a:r>
-              <a:rPr lang="en-US" altLang="ko-KR" sz="800" err="1">
+              <a:rPr lang="en-US" altLang="ko-KR" sz="800" dirty="0" err="1">
                 <a:solidFill>
                   <a:schemeClr val="tx1"/>
                 </a:solidFill>
@@ -4049,27 +4049,17 @@
               <a:t>mysql</a:t>
             </a:r>
             <a:r>
-              <a:rPr lang="en-US" altLang="ko-KR" sz="800">
+              <a:rPr lang="en-US" altLang="ko-KR" sz="800" dirty="0">
                 <a:solidFill>
                   <a:schemeClr val="tx1"/>
                 </a:solidFill>
                 <a:latin typeface="맑은 고딕" pitchFamily="50" charset="-127"/>
                 <a:ea typeface="맑은 고딕" pitchFamily="50" charset="-127"/>
               </a:rPr>
-              <a:t>-homepage-</a:t>
-            </a:r>
-            <a:r>
-              <a:rPr lang="en-US" altLang="ko-KR" sz="800" err="1">
-                <a:solidFill>
-                  <a:schemeClr val="tx1"/>
-                </a:solidFill>
-                <a:latin typeface="맑은 고딕" pitchFamily="50" charset="-127"/>
-                <a:ea typeface="맑은 고딕" pitchFamily="50" charset="-127"/>
-              </a:rPr>
-              <a:t>prd</a:t>
+              <a:t>-homepage</a:t>
             </a:r>
             <a:br>
-              <a:rPr lang="en-US" altLang="ko-KR" sz="800">
+              <a:rPr lang="en-US" altLang="ko-KR" sz="800" dirty="0">
                 <a:solidFill>
                   <a:schemeClr val="tx1"/>
                 </a:solidFill>
@@ -4078,7 +4068,7 @@
               </a:rPr>
             </a:br>
             <a:r>
-              <a:rPr lang="en-US" altLang="ko-KR" sz="800">
+              <a:rPr lang="en-US" altLang="ko-KR" sz="800" dirty="0">
                 <a:solidFill>
                   <a:schemeClr val="tx1"/>
                 </a:solidFill>
@@ -4088,16 +4078,16 @@
               <a:t>(</a:t>
             </a:r>
             <a:r>
-              <a:rPr lang="en-US" altLang="ko-KR" sz="800" b="0" i="0">
+              <a:rPr lang="en-US" altLang="ko-KR" sz="800" b="0" i="0" dirty="0">
                 <a:solidFill>
                   <a:srgbClr val="000000"/>
                 </a:solidFill>
                 <a:effectLst/>
                 <a:latin typeface="az_ea_font"/>
               </a:rPr>
-              <a:t>mysql-homepage-prd.mysql.database.azure.com)</a:t>
-            </a:r>
-            <a:endParaRPr lang="ko-KR" altLang="en-US" sz="800">
+              <a:t>mysql-homepage.mysql.database.azure.com)</a:t>
+            </a:r>
+            <a:endParaRPr lang="ko-KR" altLang="en-US" sz="800" dirty="0">
               <a:solidFill>
                 <a:schemeClr val="tx1"/>
               </a:solidFill>
@@ -4804,8 +4794,8 @@
         </p:nvCxnSpPr>
         <p:spPr>
           <a:xfrm flipH="1">
-            <a:off x="7814700" y="3875258"/>
-            <a:ext cx="440337" cy="1296686"/>
+            <a:off x="7814700" y="3893992"/>
+            <a:ext cx="166673" cy="1277952"/>
           </a:xfrm>
           <a:prstGeom prst="line">
             <a:avLst/>
@@ -9099,12 +9089,9 @@
 </file>
 
 <file path=customXml/item1.xml><?xml version="1.0" encoding="utf-8"?>
-<?mso-contentType ?>
-<FormTemplates xmlns="http://schemas.microsoft.com/sharepoint/v3/contenttype/forms">
-  <Display>DocumentLibraryForm</Display>
-  <Edit>DocumentLibraryForm</Edit>
-  <New>DocumentLibraryForm</New>
-</FormTemplates>
+<p:properties xmlns:p="http://schemas.microsoft.com/office/2006/metadata/properties" xmlns:xsi="http://www.w3.org/2001/XMLSchema-instance" xmlns:pc="http://schemas.microsoft.com/office/infopath/2007/PartnerControls">
+  <documentManagement/>
+</p:properties>
 </file>
 
 <file path=customXml/item2.xml><?xml version="1.0" encoding="utf-8"?>
@@ -9280,15 +9267,26 @@
 </file>
 
 <file path=customXml/item3.xml><?xml version="1.0" encoding="utf-8"?>
-<p:properties xmlns:p="http://schemas.microsoft.com/office/2006/metadata/properties" xmlns:xsi="http://www.w3.org/2001/XMLSchema-instance" xmlns:pc="http://schemas.microsoft.com/office/infopath/2007/PartnerControls">
-  <documentManagement/>
-</p:properties>
+<?mso-contentType ?>
+<FormTemplates xmlns="http://schemas.microsoft.com/sharepoint/v3/contenttype/forms">
+  <Display>DocumentLibraryForm</Display>
+  <Edit>DocumentLibraryForm</Edit>
+  <New>DocumentLibraryForm</New>
+</FormTemplates>
 </file>
 
 <file path=customXml/itemProps1.xml><?xml version="1.0" encoding="utf-8"?>
-<ds:datastoreItem xmlns:ds="http://schemas.openxmlformats.org/officeDocument/2006/customXml" ds:itemID="{0108BB32-F095-4499-B647-4494DBB16B4A}">
+<ds:datastoreItem xmlns:ds="http://schemas.openxmlformats.org/officeDocument/2006/customXml" ds:itemID="{BF47F237-EA8B-43AE-9A1C-B90EA4F475A6}">
   <ds:schemaRefs>
-    <ds:schemaRef ds:uri="http://schemas.microsoft.com/sharepoint/v3/contenttype/forms"/>
+    <ds:schemaRef ds:uri="03cb5c7b-df67-49fb-9ba2-44f7a2af7a58"/>
+    <ds:schemaRef ds:uri="http://purl.org/dc/dcmitype/"/>
+    <ds:schemaRef ds:uri="http://purl.org/dc/elements/1.1/"/>
+    <ds:schemaRef ds:uri="http://purl.org/dc/terms/"/>
+    <ds:schemaRef ds:uri="http://schemas.microsoft.com/office/2006/documentManagement/types"/>
+    <ds:schemaRef ds:uri="http://schemas.microsoft.com/office/2006/metadata/properties"/>
+    <ds:schemaRef ds:uri="http://schemas.microsoft.com/office/infopath/2007/PartnerControls"/>
+    <ds:schemaRef ds:uri="http://schemas.openxmlformats.org/package/2006/metadata/core-properties"/>
+    <ds:schemaRef ds:uri="http://www.w3.org/XML/1998/namespace"/>
   </ds:schemaRefs>
 </ds:datastoreItem>
 </file>
@@ -9312,17 +9310,9 @@
 </file>
 
 <file path=customXml/itemProps3.xml><?xml version="1.0" encoding="utf-8"?>
-<ds:datastoreItem xmlns:ds="http://schemas.openxmlformats.org/officeDocument/2006/customXml" ds:itemID="{BF47F237-EA8B-43AE-9A1C-B90EA4F475A6}">
+<ds:datastoreItem xmlns:ds="http://schemas.openxmlformats.org/officeDocument/2006/customXml" ds:itemID="{0108BB32-F095-4499-B647-4494DBB16B4A}">
   <ds:schemaRefs>
-    <ds:schemaRef ds:uri="03cb5c7b-df67-49fb-9ba2-44f7a2af7a58"/>
-    <ds:schemaRef ds:uri="http://purl.org/dc/dcmitype/"/>
-    <ds:schemaRef ds:uri="http://purl.org/dc/elements/1.1/"/>
-    <ds:schemaRef ds:uri="http://purl.org/dc/terms/"/>
-    <ds:schemaRef ds:uri="http://schemas.microsoft.com/office/2006/documentManagement/types"/>
-    <ds:schemaRef ds:uri="http://schemas.microsoft.com/office/2006/metadata/properties"/>
-    <ds:schemaRef ds:uri="http://schemas.microsoft.com/office/infopath/2007/PartnerControls"/>
-    <ds:schemaRef ds:uri="http://schemas.openxmlformats.org/package/2006/metadata/core-properties"/>
-    <ds:schemaRef ds:uri="http://www.w3.org/XML/1998/namespace"/>
+    <ds:schemaRef ds:uri="http://schemas.microsoft.com/sharepoint/v3/contenttype/forms"/>
   </ds:schemaRefs>
 </ds:datastoreItem>
 </file>
--- a/1.IaaS/자료/3-tier 기본 환경 구성.pptx
+++ b/1.IaaS/자료/3-tier 기본 환경 구성.pptx
@@ -6780,7 +6780,7 @@
           <a:p>
             <a:pPr algn="l"/>
             <a:r>
-              <a:rPr lang="en-US" altLang="ko-KR" sz="1000" dirty="0">
+              <a:rPr lang="en-US" altLang="ko-KR" sz="1000">
                 <a:solidFill>
                   <a:srgbClr val="323130"/>
                 </a:solidFill>
@@ -6792,35 +6792,22 @@
           <a:p>
             <a:pPr algn="l"/>
             <a:r>
-              <a:rPr lang="en-US" altLang="ko-KR" sz="1000" b="1" i="0" dirty="0">
+              <a:rPr lang="en-US" altLang="ko-KR" sz="1000" b="1" i="0">
                 <a:solidFill>
                   <a:srgbClr val="323130"/>
                 </a:solidFill>
                 <a:effectLst/>
                 <a:latin typeface="az_ea_font"/>
               </a:rPr>
-              <a:t>(</a:t>
-            </a:r>
-            <a:r>
-              <a:rPr lang="en-US" altLang="ko-KR" sz="1000" b="1" i="0" dirty="0" err="1">
-                <a:solidFill>
-                  <a:srgbClr val="323130"/>
-                </a:solidFill>
-                <a:effectLst/>
-                <a:latin typeface="az_ea_font"/>
-              </a:rPr>
-              <a:t>korea</a:t>
-            </a:r>
-            <a:r>
-              <a:rPr lang="en-US" altLang="ko-KR" sz="1000" b="1" i="0" dirty="0">
-                <a:solidFill>
-                  <a:srgbClr val="323130"/>
-                </a:solidFill>
-                <a:effectLst/>
-                <a:latin typeface="az_ea_font"/>
-              </a:rPr>
-              <a:t> central)</a:t>
-            </a:r>
+              <a:t>(korea central)</a:t>
+            </a:r>
+            <a:endParaRPr lang="en-US" altLang="ko-KR" sz="1000" b="1" i="0" dirty="0">
+              <a:solidFill>
+                <a:srgbClr val="323130"/>
+              </a:solidFill>
+              <a:effectLst/>
+              <a:latin typeface="az_ea_font"/>
+            </a:endParaRPr>
           </a:p>
         </p:txBody>
       </p:sp>
@@ -8506,14 +8493,14 @@
           <p:nvPr>
             <p:extLst>
               <p:ext uri="{D42A27DB-BD31-4B8C-83A1-F6EECF244321}">
-                <p14:modId xmlns:p14="http://schemas.microsoft.com/office/powerpoint/2010/main" val="2602760130"/>
+                <p14:modId xmlns:p14="http://schemas.microsoft.com/office/powerpoint/2010/main" val="3221582360"/>
               </p:ext>
             </p:extLst>
           </p:nvPr>
         </p:nvGraphicFramePr>
         <p:xfrm>
           <a:off x="454025" y="1498171"/>
-          <a:ext cx="8996363" cy="4763004"/>
+          <a:ext cx="8996363" cy="4982460"/>
         </p:xfrm>
         <a:graphic>
           <a:graphicData uri="http://schemas.openxmlformats.org/drawingml/2006/table">
@@ -8907,7 +8894,68 @@
                           <a:latin typeface="Arial"/>
                           <a:ea typeface="가는각진제목체"/>
                         </a:rPr>
-                        <a:t>CDN + Blob Storage </a:t>
+                        <a:t>CDN + WAS</a:t>
+                      </a:r>
+                      <a:r>
+                        <a:rPr kumimoji="0" lang="ko-KR" altLang="en-US" sz="1200" b="1" i="0" u="none" strike="noStrike" cap="none" normalizeH="0" baseline="0" dirty="0">
+                          <a:ln>
+                            <a:noFill/>
+                          </a:ln>
+                          <a:solidFill>
+                            <a:schemeClr val="tx1"/>
+                          </a:solidFill>
+                          <a:effectLst/>
+                          <a:latin typeface="Arial"/>
+                          <a:ea typeface="가는각진제목체"/>
+                        </a:rPr>
+                        <a:t> 에 정적문서 통합</a:t>
+                      </a:r>
+                      <a:endParaRPr kumimoji="0" lang="en-US" altLang="ko-KR" sz="1200" b="1" i="0" u="none" strike="noStrike" cap="none" normalizeH="0" baseline="0" dirty="0">
+                        <a:ln>
+                          <a:noFill/>
+                        </a:ln>
+                        <a:solidFill>
+                          <a:schemeClr val="tx1"/>
+                        </a:solidFill>
+                        <a:effectLst/>
+                        <a:latin typeface="Arial"/>
+                        <a:ea typeface="가는각진제목체"/>
+                      </a:endParaRPr>
+                    </a:p>
+                    <a:p>
+                      <a:pPr marL="0" marR="0" lvl="0" indent="0" algn="ctr" defTabSz="190500" rtl="0" eaLnBrk="0" fontAlgn="base" latinLnBrk="0" hangingPunct="0">
+                        <a:lnSpc>
+                          <a:spcPct val="120000"/>
+                        </a:lnSpc>
+                        <a:spcBef>
+                          <a:spcPct val="0"/>
+                        </a:spcBef>
+                        <a:spcAft>
+                          <a:spcPct val="0"/>
+                        </a:spcAft>
+                        <a:buClr>
+                          <a:srgbClr val="990000"/>
+                        </a:buClr>
+                        <a:buSzPct val="100000"/>
+                        <a:buFontTx/>
+                        <a:buNone/>
+                        <a:tabLst>
+                          <a:tab pos="228600" algn="l"/>
+                        </a:tabLst>
+                      </a:pPr>
+                      <a:r>
+                        <a:rPr kumimoji="0" lang="en-US" altLang="ko-KR" sz="1200" b="1" i="0" u="none" strike="noStrike" cap="none" normalizeH="0" baseline="0" dirty="0">
+                          <a:ln>
+                            <a:noFill/>
+                          </a:ln>
+                          <a:solidFill>
+                            <a:schemeClr val="tx1"/>
+                          </a:solidFill>
+                          <a:effectLst/>
+                          <a:latin typeface="Arial"/>
+                          <a:ea typeface="가는각진제목체"/>
+                        </a:rPr>
+                        <a:t>(Blob Storage </a:t>
                       </a:r>
                       <a:r>
                         <a:rPr kumimoji="0" lang="ko-KR" altLang="en-US" sz="1200" b="1" i="0" u="none" strike="noStrike" cap="none" normalizeH="0" baseline="0" dirty="0">
@@ -8923,6 +8971,31 @@
                         </a:rPr>
                         <a:t>구성</a:t>
                       </a:r>
+                      <a:r>
+                        <a:rPr kumimoji="0" lang="en-US" altLang="ko-KR" sz="1200" b="1" i="0" u="none" strike="noStrike" cap="none" normalizeH="0" baseline="0" dirty="0">
+                          <a:ln>
+                            <a:noFill/>
+                          </a:ln>
+                          <a:solidFill>
+                            <a:schemeClr val="tx1"/>
+                          </a:solidFill>
+                          <a:effectLst/>
+                          <a:latin typeface="Arial"/>
+                          <a:ea typeface="가는각진제목체"/>
+                        </a:rPr>
+                        <a:t>)</a:t>
+                      </a:r>
+                      <a:endParaRPr kumimoji="0" lang="ko-KR" altLang="en-US" sz="1200" b="1" i="0" u="none" strike="noStrike" cap="none" normalizeH="0" baseline="0" dirty="0">
+                        <a:ln>
+                          <a:noFill/>
+                        </a:ln>
+                        <a:solidFill>
+                          <a:schemeClr val="tx1"/>
+                        </a:solidFill>
+                        <a:effectLst/>
+                        <a:latin typeface="Arial"/>
+                        <a:ea typeface="가는각진제목체"/>
+                      </a:endParaRPr>
                     </a:p>
                   </a:txBody>
                   <a:tcPr marL="79200" marR="79200" marT="39598" marB="39598" anchor="ctr" horzOverflow="overflow">
@@ -12824,8 +12897,8 @@
         </p:nvSpPr>
         <p:spPr bwMode="auto">
           <a:xfrm>
-            <a:off x="6880195" y="1498171"/>
-            <a:ext cx="2551144" cy="4763004"/>
+            <a:off x="6880194" y="1498171"/>
+            <a:ext cx="2551144" cy="4982460"/>
           </a:xfrm>
           <a:prstGeom prst="roundRect">
             <a:avLst>
@@ -13848,7 +13921,7 @@
         </p:blipFill>
         <p:spPr>
           <a:xfrm>
-            <a:off x="5374364" y="2119442"/>
+            <a:off x="5374364" y="2087910"/>
             <a:ext cx="339706" cy="339706"/>
           </a:xfrm>
           <a:prstGeom prst="rect">
@@ -18673,6 +18746,15 @@
 </file>
 
 <file path=customXml/item1.xml><?xml version="1.0" encoding="utf-8"?>
+<?mso-contentType ?>
+<FormTemplates xmlns="http://schemas.microsoft.com/sharepoint/v3/contenttype/forms">
+  <Display>DocumentLibraryForm</Display>
+  <Edit>DocumentLibraryForm</Edit>
+  <New>DocumentLibraryForm</New>
+</FormTemplates>
+</file>
+
+<file path=customXml/item2.xml><?xml version="1.0" encoding="utf-8"?>
 <ct:contentTypeSchema xmlns:ct="http://schemas.microsoft.com/office/2006/metadata/contentType" xmlns:ma="http://schemas.microsoft.com/office/2006/metadata/properties/metaAttributes" ct:_="" ma:_="" ma:contentTypeName="Document" ma:contentTypeID="0x010100ABEF4548970FA44F9CC241B1AE635999" ma:contentTypeVersion="8" ma:contentTypeDescription="Create a new document." ma:contentTypeScope="" ma:versionID="e9878c6982014a57f80c7d0ef44dc11e">
   <xsd:schema xmlns:xsd="http://www.w3.org/2001/XMLSchema" xmlns:xs="http://www.w3.org/2001/XMLSchema" xmlns:p="http://schemas.microsoft.com/office/2006/metadata/properties" xmlns:ns2="03cb5c7b-df67-49fb-9ba2-44f7a2af7a58" targetNamespace="http://schemas.microsoft.com/office/2006/metadata/properties" ma:root="true" ma:fieldsID="af9bdf6547d8347bbb2a402cc99961a0" ns2:_="">
     <xsd:import namespace="03cb5c7b-df67-49fb-9ba2-44f7a2af7a58"/>
@@ -18844,15 +18926,6 @@
 </ct:contentTypeSchema>
 </file>
 
-<file path=customXml/item2.xml><?xml version="1.0" encoding="utf-8"?>
-<?mso-contentType ?>
-<FormTemplates xmlns="http://schemas.microsoft.com/sharepoint/v3/contenttype/forms">
-  <Display>DocumentLibraryForm</Display>
-  <Edit>DocumentLibraryForm</Edit>
-  <New>DocumentLibraryForm</New>
-</FormTemplates>
-</file>
-
 <file path=customXml/item3.xml><?xml version="1.0" encoding="utf-8"?>
 <p:properties xmlns:p="http://schemas.microsoft.com/office/2006/metadata/properties" xmlns:xsi="http://www.w3.org/2001/XMLSchema-instance" xmlns:pc="http://schemas.microsoft.com/office/infopath/2007/PartnerControls">
   <documentManagement/>
@@ -18860,6 +18933,14 @@
 </file>
 
 <file path=customXml/itemProps1.xml><?xml version="1.0" encoding="utf-8"?>
+<ds:datastoreItem xmlns:ds="http://schemas.openxmlformats.org/officeDocument/2006/customXml" ds:itemID="{0108BB32-F095-4499-B647-4494DBB16B4A}">
+  <ds:schemaRefs>
+    <ds:schemaRef ds:uri="http://schemas.microsoft.com/sharepoint/v3/contenttype/forms"/>
+  </ds:schemaRefs>
+</ds:datastoreItem>
+</file>
+
+<file path=customXml/itemProps2.xml><?xml version="1.0" encoding="utf-8"?>
 <ds:datastoreItem xmlns:ds="http://schemas.openxmlformats.org/officeDocument/2006/customXml" ds:itemID="{384DC346-DE8C-435E-8D1D-1B03BF9EDC65}">
   <ds:schemaRefs>
     <ds:schemaRef ds:uri="03cb5c7b-df67-49fb-9ba2-44f7a2af7a58"/>
@@ -18873,14 +18954,6 @@
     <ds:schemaRef ds:uri="http://schemas.microsoft.com/office/infopath/2007/PartnerControls"/>
     <ds:schemaRef ds:uri="http://schemas.openxmlformats.org/package/2006/metadata/core-properties"/>
     <ds:schemaRef ds:uri="http://www.w3.org/2001/XMLSchema"/>
-  </ds:schemaRefs>
-</ds:datastoreItem>
-</file>
-
-<file path=customXml/itemProps2.xml><?xml version="1.0" encoding="utf-8"?>
-<ds:datastoreItem xmlns:ds="http://schemas.openxmlformats.org/officeDocument/2006/customXml" ds:itemID="{0108BB32-F095-4499-B647-4494DBB16B4A}">
-  <ds:schemaRefs>
-    <ds:schemaRef ds:uri="http://schemas.microsoft.com/sharepoint/v3/contenttype/forms"/>
   </ds:schemaRefs>
 </ds:datastoreItem>
 </file>

--- a/1.IaaS/자료/3-tier 기본 환경 구성.pptx
+++ b/1.IaaS/자료/3-tier 기본 환경 구성.pptx
@@ -8493,7 +8493,7 @@
           <p:nvPr>
             <p:extLst>
               <p:ext uri="{D42A27DB-BD31-4B8C-83A1-F6EECF244321}">
-                <p14:modId xmlns:p14="http://schemas.microsoft.com/office/powerpoint/2010/main" val="3221582360"/>
+                <p14:modId xmlns:p14="http://schemas.microsoft.com/office/powerpoint/2010/main" val="1667784533"/>
               </p:ext>
             </p:extLst>
           </p:nvPr>
@@ -9365,18 +9365,11 @@
                           <a:latin typeface="Malgun Gothic Semilight" panose="020B0502040204020203" pitchFamily="50" charset="-127"/>
                           <a:ea typeface="Malgun Gothic Semilight" panose="020B0502040204020203" pitchFamily="50" charset="-127"/>
                           <a:cs typeface="Malgun Gothic Semilight" panose="020B0502040204020203" pitchFamily="50" charset="-127"/>
-                          <a:hlinkClick r:id="rId3">
-                            <a:extLst>
-                              <a:ext uri="{A12FA001-AC4F-418D-AE19-62706E023703}">
-                                <ahyp:hlinkClr xmlns:ahyp="http://schemas.microsoft.com/office/drawing/2018/hyperlinkcolor" val="tx"/>
-                              </a:ext>
-                            </a:extLst>
-                          </a:hlinkClick>
                         </a:rPr>
-                        <a:t>https://www.</a:t>
+                        <a:t>https://www.nodespringboot.</a:t>
                       </a:r>
                       <a:r>
-                        <a:rPr kumimoji="0" lang="en-US" altLang="ko-KR" sz="1000" b="0" i="0" u="none" strike="noStrike" cap="none" normalizeH="0" baseline="0" dirty="0">
+                        <a:rPr kumimoji="0" lang="en-US" altLang="ko-KR" sz="1000" b="0" i="0" u="none" strike="noStrike" cap="none" normalizeH="0" baseline="0">
                           <a:ln>
                             <a:noFill/>
                           </a:ln>
@@ -9388,8 +9381,20 @@
                           <a:ea typeface="Malgun Gothic Semilight" panose="020B0502040204020203" pitchFamily="50" charset="-127"/>
                           <a:cs typeface="Malgun Gothic Semilight" panose="020B0502040204020203" pitchFamily="50" charset="-127"/>
                         </a:rPr>
-                        <a:t>nodespringboot.org/</a:t>
+                        <a:t>org/</a:t>
                       </a:r>
+                      <a:endParaRPr kumimoji="0" lang="en-US" altLang="ko-KR" sz="1000" b="0" i="0" u="none" strike="noStrike" cap="none" normalizeH="0" baseline="0" dirty="0">
+                        <a:ln>
+                          <a:noFill/>
+                        </a:ln>
+                        <a:solidFill>
+                          <a:schemeClr val="tx1"/>
+                        </a:solidFill>
+                        <a:effectLst/>
+                        <a:latin typeface="Malgun Gothic Semilight" panose="020B0502040204020203" pitchFamily="50" charset="-127"/>
+                        <a:ea typeface="Malgun Gothic Semilight" panose="020B0502040204020203" pitchFamily="50" charset="-127"/>
+                        <a:cs typeface="Malgun Gothic Semilight" panose="020B0502040204020203" pitchFamily="50" charset="-127"/>
+                      </a:endParaRPr>
                     </a:p>
                     <a:p>
                       <a:pPr marL="0" marR="0" lvl="0" indent="0" algn="ctr" defTabSz="190500" rtl="0" eaLnBrk="0" fontAlgn="base" latinLnBrk="0" hangingPunct="0">
@@ -9522,30 +9527,8 @@
                           <a:latin typeface="Malgun Gothic Semilight" panose="020B0502040204020203" pitchFamily="50" charset="-127"/>
                           <a:ea typeface="Malgun Gothic Semilight" panose="020B0502040204020203" pitchFamily="50" charset="-127"/>
                           <a:cs typeface="Malgun Gothic Semilight" panose="020B0502040204020203" pitchFamily="50" charset="-127"/>
-                          <a:hlinkClick r:id="rId3">
-                            <a:extLst>
-                              <a:ext uri="{A12FA001-AC4F-418D-AE19-62706E023703}">
-                                <ahyp:hlinkClr xmlns:ahyp="http://schemas.microsoft.com/office/drawing/2018/hyperlinkcolor" val="tx"/>
-                              </a:ext>
-                            </a:extLst>
-                          </a:hlinkClick>
                         </a:rPr>
-                        <a:t>https://www.</a:t>
-                      </a:r>
-                      <a:r>
-                        <a:rPr kumimoji="0" lang="en-US" altLang="ko-KR" sz="1000" b="0" i="0" u="none" strike="noStrike" cap="none" normalizeH="0" baseline="0" dirty="0">
-                          <a:ln>
-                            <a:noFill/>
-                          </a:ln>
-                          <a:solidFill>
-                            <a:schemeClr val="tx1"/>
-                          </a:solidFill>
-                          <a:effectLst/>
-                          <a:latin typeface="Malgun Gothic Semilight" panose="020B0502040204020203" pitchFamily="50" charset="-127"/>
-                          <a:ea typeface="Malgun Gothic Semilight" panose="020B0502040204020203" pitchFamily="50" charset="-127"/>
-                          <a:cs typeface="Malgun Gothic Semilight" panose="020B0502040204020203" pitchFamily="50" charset="-127"/>
-                        </a:rPr>
-                        <a:t>nodespringboot.org/</a:t>
+                        <a:t>https://www.nodespringboot.org/</a:t>
                       </a:r>
                     </a:p>
                   </a:txBody>
@@ -12970,7 +12953,7 @@
           <p:nvPr/>
         </p:nvPicPr>
         <p:blipFill>
-          <a:blip r:embed="rId4" cstate="print">
+          <a:blip r:embed="rId3" cstate="print">
             <a:extLst>
               <a:ext uri="{28A0092B-C50C-407E-A947-70E740481C1C}">
                 <a14:useLocalDpi xmlns:a14="http://schemas.microsoft.com/office/drawing/2010/main" val="0"/>
@@ -18755,6 +18738,12 @@
 </file>
 
 <file path=customXml/item2.xml><?xml version="1.0" encoding="utf-8"?>
+<p:properties xmlns:p="http://schemas.microsoft.com/office/2006/metadata/properties" xmlns:xsi="http://www.w3.org/2001/XMLSchema-instance" xmlns:pc="http://schemas.microsoft.com/office/infopath/2007/PartnerControls">
+  <documentManagement/>
+</p:properties>
+</file>
+
+<file path=customXml/item3.xml><?xml version="1.0" encoding="utf-8"?>
 <ct:contentTypeSchema xmlns:ct="http://schemas.microsoft.com/office/2006/metadata/contentType" xmlns:ma="http://schemas.microsoft.com/office/2006/metadata/properties/metaAttributes" ct:_="" ma:_="" ma:contentTypeName="Document" ma:contentTypeID="0x010100ABEF4548970FA44F9CC241B1AE635999" ma:contentTypeVersion="8" ma:contentTypeDescription="Create a new document." ma:contentTypeScope="" ma:versionID="e9878c6982014a57f80c7d0ef44dc11e">
   <xsd:schema xmlns:xsd="http://www.w3.org/2001/XMLSchema" xmlns:xs="http://www.w3.org/2001/XMLSchema" xmlns:p="http://schemas.microsoft.com/office/2006/metadata/properties" xmlns:ns2="03cb5c7b-df67-49fb-9ba2-44f7a2af7a58" targetNamespace="http://schemas.microsoft.com/office/2006/metadata/properties" ma:root="true" ma:fieldsID="af9bdf6547d8347bbb2a402cc99961a0" ns2:_="">
     <xsd:import namespace="03cb5c7b-df67-49fb-9ba2-44f7a2af7a58"/>
@@ -18926,12 +18915,6 @@
 </ct:contentTypeSchema>
 </file>
 
-<file path=customXml/item3.xml><?xml version="1.0" encoding="utf-8"?>
-<p:properties xmlns:p="http://schemas.microsoft.com/office/2006/metadata/properties" xmlns:xsi="http://www.w3.org/2001/XMLSchema-instance" xmlns:pc="http://schemas.microsoft.com/office/infopath/2007/PartnerControls">
-  <documentManagement/>
-</p:properties>
-</file>
-
 <file path=customXml/itemProps1.xml><?xml version="1.0" encoding="utf-8"?>
 <ds:datastoreItem xmlns:ds="http://schemas.openxmlformats.org/officeDocument/2006/customXml" ds:itemID="{0108BB32-F095-4499-B647-4494DBB16B4A}">
   <ds:schemaRefs>
@@ -18941,6 +18924,22 @@
 </file>
 
 <file path=customXml/itemProps2.xml><?xml version="1.0" encoding="utf-8"?>
+<ds:datastoreItem xmlns:ds="http://schemas.openxmlformats.org/officeDocument/2006/customXml" ds:itemID="{BF47F237-EA8B-43AE-9A1C-B90EA4F475A6}">
+  <ds:schemaRefs>
+    <ds:schemaRef ds:uri="03cb5c7b-df67-49fb-9ba2-44f7a2af7a58"/>
+    <ds:schemaRef ds:uri="http://purl.org/dc/dcmitype/"/>
+    <ds:schemaRef ds:uri="http://purl.org/dc/elements/1.1/"/>
+    <ds:schemaRef ds:uri="http://purl.org/dc/terms/"/>
+    <ds:schemaRef ds:uri="http://schemas.microsoft.com/office/2006/documentManagement/types"/>
+    <ds:schemaRef ds:uri="http://schemas.microsoft.com/office/2006/metadata/properties"/>
+    <ds:schemaRef ds:uri="http://schemas.microsoft.com/office/infopath/2007/PartnerControls"/>
+    <ds:schemaRef ds:uri="http://schemas.openxmlformats.org/package/2006/metadata/core-properties"/>
+    <ds:schemaRef ds:uri="http://www.w3.org/XML/1998/namespace"/>
+  </ds:schemaRefs>
+</ds:datastoreItem>
+</file>
+
+<file path=customXml/itemProps3.xml><?xml version="1.0" encoding="utf-8"?>
 <ds:datastoreItem xmlns:ds="http://schemas.openxmlformats.org/officeDocument/2006/customXml" ds:itemID="{384DC346-DE8C-435E-8D1D-1B03BF9EDC65}">
   <ds:schemaRefs>
     <ds:schemaRef ds:uri="03cb5c7b-df67-49fb-9ba2-44f7a2af7a58"/>
@@ -18956,20 +18955,4 @@
     <ds:schemaRef ds:uri="http://www.w3.org/2001/XMLSchema"/>
   </ds:schemaRefs>
 </ds:datastoreItem>
-</file>
-
-<file path=customXml/itemProps3.xml><?xml version="1.0" encoding="utf-8"?>
-<ds:datastoreItem xmlns:ds="http://schemas.openxmlformats.org/officeDocument/2006/customXml" ds:itemID="{BF47F237-EA8B-43AE-9A1C-B90EA4F475A6}">
-  <ds:schemaRefs>
-    <ds:schemaRef ds:uri="03cb5c7b-df67-49fb-9ba2-44f7a2af7a58"/>
-    <ds:schemaRef ds:uri="http://purl.org/dc/dcmitype/"/>
-    <ds:schemaRef ds:uri="http://purl.org/dc/elements/1.1/"/>
-    <ds:schemaRef ds:uri="http://purl.org/dc/terms/"/>
-    <ds:schemaRef ds:uri="http://schemas.microsoft.com/office/2006/documentManagement/types"/>
-    <ds:schemaRef ds:uri="http://schemas.microsoft.com/office/2006/metadata/properties"/>
-    <ds:schemaRef ds:uri="http://schemas.microsoft.com/office/infopath/2007/PartnerControls"/>
-    <ds:schemaRef ds:uri="http://schemas.openxmlformats.org/package/2006/metadata/core-properties"/>
-    <ds:schemaRef ds:uri="http://www.w3.org/XML/1998/namespace"/>
-  </ds:schemaRefs>
-</ds:datastoreItem>
 </file>
--- a/1.IaaS/자료/3-tier 기본 환경 구성.pptx
+++ b/1.IaaS/자료/3-tier 기본 환경 구성.pptx
@@ -4378,6 +4378,16 @@
               </a:rPr>
               <a:t>prd</a:t>
             </a:r>
+            <a:r>
+              <a:rPr lang="en-US" altLang="ko-KR" sz="800">
+                <a:solidFill>
+                  <a:schemeClr val="tx1"/>
+                </a:solidFill>
+                <a:latin typeface="맑은 고딕" pitchFamily="50" charset="-127"/>
+                <a:ea typeface="맑은 고딕" pitchFamily="50" charset="-127"/>
+              </a:rPr>
+              <a:t/>
+            </a:r>
             <a:br>
               <a:rPr lang="en-US" altLang="ko-KR" sz="800">
                 <a:solidFill>
@@ -5024,13 +5034,13 @@
           <p:nvPr/>
         </p:nvPicPr>
         <p:blipFill>
-          <a:blip r:embed="rId4">
+          <a:blip r:embed="rId4" cstate="print">
             <a:extLst>
               <a:ext uri="{28A0092B-C50C-407E-A947-70E740481C1C}">
                 <a14:useLocalDpi xmlns:a14="http://schemas.microsoft.com/office/drawing/2010/main" val="0"/>
               </a:ext>
               <a:ext uri="{96DAC541-7B7A-43D3-8B79-37D633B846F1}">
-                <asvg:svgBlip xmlns:asvg="http://schemas.microsoft.com/office/drawing/2016/SVG/main" r:embed="rId5"/>
+                <asvg:svgBlip xmlns:asvg="http://schemas.microsoft.com/office/drawing/2016/SVG/main" xmlns="" r:embed="rId5"/>
               </a:ext>
             </a:extLst>
           </a:blip>
@@ -5069,7 +5079,7 @@
                 <a14:useLocalDpi xmlns:a14="http://schemas.microsoft.com/office/drawing/2010/main" val="0"/>
               </a:ext>
               <a:ext uri="{96DAC541-7B7A-43D3-8B79-37D633B846F1}">
-                <asvg:svgBlip xmlns:asvg="http://schemas.microsoft.com/office/drawing/2016/SVG/main" r:embed="rId7"/>
+                <asvg:svgBlip xmlns:asvg="http://schemas.microsoft.com/office/drawing/2016/SVG/main" xmlns="" r:embed="rId7"/>
               </a:ext>
             </a:extLst>
           </a:blip>
@@ -5108,7 +5118,7 @@
                 <a14:useLocalDpi xmlns:a14="http://schemas.microsoft.com/office/drawing/2010/main" val="0"/>
               </a:ext>
               <a:ext uri="{96DAC541-7B7A-43D3-8B79-37D633B846F1}">
-                <asvg:svgBlip xmlns:asvg="http://schemas.microsoft.com/office/drawing/2016/SVG/main" r:embed="rId9"/>
+                <asvg:svgBlip xmlns:asvg="http://schemas.microsoft.com/office/drawing/2016/SVG/main" xmlns="" r:embed="rId9"/>
               </a:ext>
             </a:extLst>
           </a:blip>
@@ -5217,7 +5227,7 @@
                 <a14:useLocalDpi xmlns:a14="http://schemas.microsoft.com/office/drawing/2010/main" val="0"/>
               </a:ext>
               <a:ext uri="{96DAC541-7B7A-43D3-8B79-37D633B846F1}">
-                <asvg:svgBlip xmlns:asvg="http://schemas.microsoft.com/office/drawing/2016/SVG/main" r:embed="rId7"/>
+                <asvg:svgBlip xmlns:asvg="http://schemas.microsoft.com/office/drawing/2016/SVG/main" xmlns="" r:embed="rId7"/>
               </a:ext>
             </a:extLst>
           </a:blip>
@@ -5256,7 +5266,7 @@
                 <a14:useLocalDpi xmlns:a14="http://schemas.microsoft.com/office/drawing/2010/main" val="0"/>
               </a:ext>
               <a:ext uri="{96DAC541-7B7A-43D3-8B79-37D633B846F1}">
-                <asvg:svgBlip xmlns:asvg="http://schemas.microsoft.com/office/drawing/2016/SVG/main" r:embed="rId11"/>
+                <asvg:svgBlip xmlns:asvg="http://schemas.microsoft.com/office/drawing/2016/SVG/main" xmlns="" r:embed="rId11"/>
               </a:ext>
             </a:extLst>
           </a:blip>
@@ -5424,6 +5434,13 @@
                 <a:ea typeface="맑은 고딕" panose="020B0503020000020004" pitchFamily="50" charset="-127"/>
               </a:rPr>
               <a:t> </a:t>
+            </a:r>
+            <a:r>
+              <a:rPr lang="en-US" altLang="ko-KR" sz="1000" b="0" dirty="0">
+                <a:latin typeface="맑은 고딕" panose="020B0503020000020004" pitchFamily="50" charset="-127"/>
+                <a:ea typeface="맑은 고딕" panose="020B0503020000020004" pitchFamily="50" charset="-127"/>
+              </a:rPr>
+              <a:t/>
             </a:r>
             <a:br>
               <a:rPr lang="en-US" altLang="ko-KR" sz="1000" b="0" dirty="0">
@@ -5904,7 +5921,7 @@
                 <a14:useLocalDpi xmlns:a14="http://schemas.microsoft.com/office/drawing/2010/main" val="0"/>
               </a:ext>
               <a:ext uri="{96DAC541-7B7A-43D3-8B79-37D633B846F1}">
-                <asvg:svgBlip xmlns:asvg="http://schemas.microsoft.com/office/drawing/2016/SVG/main" r:embed="rId18"/>
+                <asvg:svgBlip xmlns:asvg="http://schemas.microsoft.com/office/drawing/2016/SVG/main" xmlns="" r:embed="rId18"/>
               </a:ext>
             </a:extLst>
           </a:blip>
@@ -8081,7 +8098,7 @@
                 <a:hlinkClick r:id="rId22">
                   <a:extLst>
                     <a:ext uri="{A12FA001-AC4F-418D-AE19-62706E023703}">
-                      <ahyp:hlinkClr xmlns:ahyp="http://schemas.microsoft.com/office/drawing/2018/hyperlinkcolor" val="tx"/>
+                      <ahyp:hlinkClr xmlns:ahyp="http://schemas.microsoft.com/office/drawing/2018/hyperlinkcolor" xmlns="" val="tx"/>
                     </a:ext>
                   </a:extLst>
                 </a:hlinkClick>
@@ -8321,7 +8338,7 @@
                 <a14:useLocalDpi xmlns:a14="http://schemas.microsoft.com/office/drawing/2010/main" val="0"/>
               </a:ext>
               <a:ext uri="{96DAC541-7B7A-43D3-8B79-37D633B846F1}">
-                <asvg:svgBlip xmlns:asvg="http://schemas.microsoft.com/office/drawing/2016/SVG/main" r:embed="rId9"/>
+                <asvg:svgBlip xmlns:asvg="http://schemas.microsoft.com/office/drawing/2016/SVG/main" xmlns="" r:embed="rId9"/>
               </a:ext>
             </a:extLst>
           </a:blip>
@@ -8500,7 +8517,7 @@
         </p:nvGraphicFramePr>
         <p:xfrm>
           <a:off x="454025" y="1498171"/>
-          <a:ext cx="8996363" cy="4982460"/>
+          <a:ext cx="8996363" cy="5023354"/>
         </p:xfrm>
         <a:graphic>
           <a:graphicData uri="http://schemas.openxmlformats.org/drawingml/2006/table">
@@ -13779,13 +13796,13 @@
           <p:nvPr/>
         </p:nvPicPr>
         <p:blipFill>
-          <a:blip r:embed="rId2">
+          <a:blip r:embed="rId2" cstate="print">
             <a:extLst>
               <a:ext uri="{28A0092B-C50C-407E-A947-70E740481C1C}">
                 <a14:useLocalDpi xmlns:a14="http://schemas.microsoft.com/office/drawing/2010/main" val="0"/>
               </a:ext>
               <a:ext uri="{96DAC541-7B7A-43D3-8B79-37D633B846F1}">
-                <asvg:svgBlip xmlns:asvg="http://schemas.microsoft.com/office/drawing/2016/SVG/main" r:embed="rId3"/>
+                <asvg:svgBlip xmlns:asvg="http://schemas.microsoft.com/office/drawing/2016/SVG/main" xmlns="" r:embed="rId3"/>
               </a:ext>
             </a:extLst>
           </a:blip>
@@ -13894,7 +13911,7 @@
                 <a14:useLocalDpi xmlns:a14="http://schemas.microsoft.com/office/drawing/2010/main" val="0"/>
               </a:ext>
               <a:ext uri="{96DAC541-7B7A-43D3-8B79-37D633B846F1}">
-                <asvg:svgBlip xmlns:asvg="http://schemas.microsoft.com/office/drawing/2016/SVG/main" r:embed="rId5"/>
+                <asvg:svgBlip xmlns:asvg="http://schemas.microsoft.com/office/drawing/2016/SVG/main" xmlns="" r:embed="rId5"/>
               </a:ext>
             </a:extLst>
           </a:blip>
@@ -13933,7 +13950,7 @@
                 <a14:useLocalDpi xmlns:a14="http://schemas.microsoft.com/office/drawing/2010/main" val="0"/>
               </a:ext>
               <a:ext uri="{96DAC541-7B7A-43D3-8B79-37D633B846F1}">
-                <asvg:svgBlip xmlns:asvg="http://schemas.microsoft.com/office/drawing/2016/SVG/main" r:embed="rId7"/>
+                <asvg:svgBlip xmlns:asvg="http://schemas.microsoft.com/office/drawing/2016/SVG/main" xmlns="" r:embed="rId7"/>
               </a:ext>
             </a:extLst>
           </a:blip>
@@ -14042,7 +14059,7 @@
                 <a14:useLocalDpi xmlns:a14="http://schemas.microsoft.com/office/drawing/2010/main" val="0"/>
               </a:ext>
               <a:ext uri="{96DAC541-7B7A-43D3-8B79-37D633B846F1}">
-                <asvg:svgBlip xmlns:asvg="http://schemas.microsoft.com/office/drawing/2016/SVG/main" r:embed="rId5"/>
+                <asvg:svgBlip xmlns:asvg="http://schemas.microsoft.com/office/drawing/2016/SVG/main" xmlns="" r:embed="rId5"/>
               </a:ext>
             </a:extLst>
           </a:blip>
@@ -14081,7 +14098,7 @@
                 <a14:useLocalDpi xmlns:a14="http://schemas.microsoft.com/office/drawing/2010/main" val="0"/>
               </a:ext>
               <a:ext uri="{96DAC541-7B7A-43D3-8B79-37D633B846F1}">
-                <asvg:svgBlip xmlns:asvg="http://schemas.microsoft.com/office/drawing/2016/SVG/main" r:embed="rId9"/>
+                <asvg:svgBlip xmlns:asvg="http://schemas.microsoft.com/office/drawing/2016/SVG/main" xmlns="" r:embed="rId9"/>
               </a:ext>
             </a:extLst>
           </a:blip>
@@ -14250,6 +14267,13 @@
               </a:rPr>
               <a:t> </a:t>
             </a:r>
+            <a:r>
+              <a:rPr lang="en-US" altLang="ko-KR" sz="1000" b="0" dirty="0">
+                <a:latin typeface="맑은 고딕" panose="020B0503020000020004" pitchFamily="50" charset="-127"/>
+                <a:ea typeface="맑은 고딕" panose="020B0503020000020004" pitchFamily="50" charset="-127"/>
+              </a:rPr>
+              <a:t/>
+            </a:r>
             <a:br>
               <a:rPr lang="en-US" altLang="ko-KR" sz="1000" b="0" dirty="0">
                 <a:latin typeface="맑은 고딕" panose="020B0503020000020004" pitchFamily="50" charset="-127"/>
@@ -14648,7 +14672,7 @@
         <p:spPr>
           <a:xfrm>
             <a:off x="5753370" y="2081988"/>
-            <a:ext cx="978153" cy="553998"/>
+            <a:ext cx="1610691" cy="553998"/>
           </a:xfrm>
           <a:prstGeom prst="rect">
             <a:avLst/>
@@ -14656,7 +14680,7 @@
           <a:noFill/>
         </p:spPr>
         <p:txBody>
-          <a:bodyPr wrap="none" rtlCol="0">
+          <a:bodyPr wrap="square" rtlCol="0">
             <a:spAutoFit/>
           </a:bodyPr>
           <a:lstStyle/>
@@ -14666,7 +14690,8 @@
                 <a:solidFill>
                   <a:srgbClr val="323130"/>
                 </a:solidFill>
-                <a:latin typeface="az_ea_font"/>
+                <a:latin typeface="맑은 고딕" panose="020B0503020000020004" pitchFamily="50" charset="-127"/>
+                <a:ea typeface="맑은 고딕" panose="020B0503020000020004" pitchFamily="50" charset="-127"/>
               </a:rPr>
               <a:t>vnet-skcc1-dev</a:t>
             </a:r>
@@ -14677,7 +14702,8 @@
                 <a:solidFill>
                   <a:srgbClr val="323130"/>
                 </a:solidFill>
-                <a:latin typeface="az_ea_font"/>
+                <a:latin typeface="맑은 고딕" panose="020B0503020000020004" pitchFamily="50" charset="-127"/>
+                <a:ea typeface="맑은 고딕" panose="020B0503020000020004" pitchFamily="50" charset="-127"/>
               </a:rPr>
               <a:t>10.0.0.0/16</a:t>
             </a:r>
@@ -14685,7 +14711,8 @@
               <a:solidFill>
                 <a:srgbClr val="323130"/>
               </a:solidFill>
-              <a:latin typeface="az_ea_font"/>
+              <a:latin typeface="맑은 고딕" panose="020B0503020000020004" pitchFamily="50" charset="-127"/>
+              <a:ea typeface="맑은 고딕" panose="020B0503020000020004" pitchFamily="50" charset="-127"/>
             </a:endParaRPr>
           </a:p>
           <a:p>
@@ -14799,7 +14826,7 @@
                 <a14:useLocalDpi xmlns:a14="http://schemas.microsoft.com/office/drawing/2010/main" val="0"/>
               </a:ext>
               <a:ext uri="{96DAC541-7B7A-43D3-8B79-37D633B846F1}">
-                <asvg:svgBlip xmlns:asvg="http://schemas.microsoft.com/office/drawing/2016/SVG/main" r:embed="rId16"/>
+                <asvg:svgBlip xmlns:asvg="http://schemas.microsoft.com/office/drawing/2016/SVG/main" xmlns="" r:embed="rId16"/>
               </a:ext>
             </a:extLst>
           </a:blip>
@@ -15533,7 +15560,8 @@
                   <a:srgbClr val="323130"/>
                 </a:solidFill>
                 <a:effectLst/>
-                <a:latin typeface="az_ea_font"/>
+                <a:latin typeface="맑은 고딕" panose="020B0503020000020004" pitchFamily="50" charset="-127"/>
+                <a:ea typeface="맑은 고딕" panose="020B0503020000020004" pitchFamily="50" charset="-127"/>
               </a:rPr>
               <a:t>vnet-skcc1-dev</a:t>
             </a:r>
@@ -15546,7 +15574,8 @@
                   <a:srgbClr val="323130"/>
                 </a:solidFill>
                 <a:effectLst/>
-                <a:latin typeface="az_ea_font"/>
+                <a:latin typeface="맑은 고딕" panose="020B0503020000020004" pitchFamily="50" charset="-127"/>
+                <a:ea typeface="맑은 고딕" panose="020B0503020000020004" pitchFamily="50" charset="-127"/>
               </a:rPr>
               <a:t>(10.21.0.0/16)</a:t>
             </a:r>
@@ -15610,7 +15639,7 @@
         <p:spPr>
           <a:xfrm>
             <a:off x="2506121" y="1783942"/>
-            <a:ext cx="1467721" cy="400110"/>
+            <a:ext cx="2113165" cy="400110"/>
           </a:xfrm>
           <a:prstGeom prst="rect">
             <a:avLst/>
@@ -15629,7 +15658,8 @@
                 <a:solidFill>
                   <a:srgbClr val="323130"/>
                 </a:solidFill>
-                <a:latin typeface="az_ea_font"/>
+                <a:latin typeface="맑은 고딕" panose="020B0503020000020004" pitchFamily="50" charset="-127"/>
+                <a:ea typeface="맑은 고딕" panose="020B0503020000020004" pitchFamily="50" charset="-127"/>
               </a:rPr>
               <a:t>rg-skcc1-network-dev</a:t>
             </a:r>
@@ -15642,7 +15672,8 @@
                   <a:srgbClr val="323130"/>
                 </a:solidFill>
                 <a:effectLst/>
-                <a:latin typeface="az_ea_font"/>
+                <a:latin typeface="맑은 고딕" panose="020B0503020000020004" pitchFamily="50" charset="-127"/>
+                <a:ea typeface="맑은 고딕" panose="020B0503020000020004" pitchFamily="50" charset="-127"/>
               </a:rPr>
               <a:t>(</a:t>
             </a:r>
@@ -15652,7 +15683,8 @@
                   <a:srgbClr val="323130"/>
                 </a:solidFill>
                 <a:effectLst/>
-                <a:latin typeface="az_ea_font"/>
+                <a:latin typeface="맑은 고딕" panose="020B0503020000020004" pitchFamily="50" charset="-127"/>
+                <a:ea typeface="맑은 고딕" panose="020B0503020000020004" pitchFamily="50" charset="-127"/>
               </a:rPr>
               <a:t>korea</a:t>
             </a:r>
@@ -15662,7 +15694,8 @@
                   <a:srgbClr val="323130"/>
                 </a:solidFill>
                 <a:effectLst/>
-                <a:latin typeface="az_ea_font"/>
+                <a:latin typeface="맑은 고딕" panose="020B0503020000020004" pitchFamily="50" charset="-127"/>
+                <a:ea typeface="맑은 고딕" panose="020B0503020000020004" pitchFamily="50" charset="-127"/>
               </a:rPr>
               <a:t> central)</a:t>
             </a:r>
@@ -15683,8 +15716,8 @@
         </p:nvSpPr>
         <p:spPr>
           <a:xfrm>
-            <a:off x="5674217" y="1783942"/>
-            <a:ext cx="1754150" cy="400110"/>
+            <a:off x="5674216" y="1783942"/>
+            <a:ext cx="2870717" cy="400110"/>
           </a:xfrm>
           <a:prstGeom prst="rect">
             <a:avLst/>
@@ -15703,7 +15736,8 @@
                 <a:solidFill>
                   <a:srgbClr val="323130"/>
                 </a:solidFill>
-                <a:latin typeface="az_ea_font"/>
+                <a:latin typeface="맑은 고딕" panose="020B0503020000020004" pitchFamily="50" charset="-127"/>
+                <a:ea typeface="맑은 고딕" panose="020B0503020000020004" pitchFamily="50" charset="-127"/>
               </a:rPr>
               <a:t>rg</a:t>
             </a:r>
@@ -15712,7 +15746,8 @@
                 <a:solidFill>
                   <a:srgbClr val="323130"/>
                 </a:solidFill>
-                <a:latin typeface="az_ea_font"/>
+                <a:latin typeface="맑은 고딕" panose="020B0503020000020004" pitchFamily="50" charset="-127"/>
+                <a:ea typeface="맑은 고딕" panose="020B0503020000020004" pitchFamily="50" charset="-127"/>
               </a:rPr>
               <a:t>-homepage-network-dev</a:t>
             </a:r>
@@ -15725,7 +15760,8 @@
                   <a:srgbClr val="323130"/>
                 </a:solidFill>
                 <a:effectLst/>
-                <a:latin typeface="az_ea_font"/>
+                <a:latin typeface="맑은 고딕" panose="020B0503020000020004" pitchFamily="50" charset="-127"/>
+                <a:ea typeface="맑은 고딕" panose="020B0503020000020004" pitchFamily="50" charset="-127"/>
               </a:rPr>
               <a:t>(</a:t>
             </a:r>
@@ -15735,7 +15771,8 @@
                   <a:srgbClr val="323130"/>
                 </a:solidFill>
                 <a:effectLst/>
-                <a:latin typeface="az_ea_font"/>
+                <a:latin typeface="맑은 고딕" panose="020B0503020000020004" pitchFamily="50" charset="-127"/>
+                <a:ea typeface="맑은 고딕" panose="020B0503020000020004" pitchFamily="50" charset="-127"/>
               </a:rPr>
               <a:t>korea</a:t>
             </a:r>
@@ -15745,7 +15782,8 @@
                   <a:srgbClr val="323130"/>
                 </a:solidFill>
                 <a:effectLst/>
-                <a:latin typeface="az_ea_font"/>
+                <a:latin typeface="맑은 고딕" panose="020B0503020000020004" pitchFamily="50" charset="-127"/>
+                <a:ea typeface="맑은 고딕" panose="020B0503020000020004" pitchFamily="50" charset="-127"/>
               </a:rPr>
               <a:t> central)</a:t>
             </a:r>
@@ -15767,7 +15805,7 @@
         <p:spPr>
           <a:xfrm>
             <a:off x="3696315" y="2788802"/>
-            <a:ext cx="1789042" cy="246221"/>
+            <a:ext cx="2385472" cy="246221"/>
           </a:xfrm>
           <a:prstGeom prst="rect">
             <a:avLst/>
@@ -15787,7 +15825,8 @@
                   <a:srgbClr val="323130"/>
                 </a:solidFill>
                 <a:effectLst/>
-                <a:latin typeface="az_ea_font"/>
+                <a:latin typeface="맑은 고딕" panose="020B0503020000020004" pitchFamily="50" charset="-127"/>
+                <a:ea typeface="맑은 고딕" panose="020B0503020000020004" pitchFamily="50" charset="-127"/>
               </a:rPr>
               <a:t>skcc1-homepage-dev-appgw</a:t>
             </a:r>
@@ -16179,7 +16218,7 @@
         <p:spPr>
           <a:xfrm>
             <a:off x="2412734" y="3785401"/>
-            <a:ext cx="1648475" cy="400110"/>
+            <a:ext cx="2106378" cy="400110"/>
           </a:xfrm>
           <a:prstGeom prst="rect">
             <a:avLst/>
@@ -16197,11 +16236,12 @@
                 <a:solidFill>
                   <a:srgbClr val="323130"/>
                 </a:solidFill>
-                <a:latin typeface="az_ea_font"/>
+                <a:latin typeface="맑은 고딕" panose="020B0503020000020004" pitchFamily="50" charset="-127"/>
+                <a:ea typeface="맑은 고딕" panose="020B0503020000020004" pitchFamily="50" charset="-127"/>
                 <a:hlinkClick r:id="rId21">
                   <a:extLst>
                     <a:ext uri="{A12FA001-AC4F-418D-AE19-62706E023703}">
-                      <ahyp:hlinkClr xmlns:ahyp="http://schemas.microsoft.com/office/drawing/2018/hyperlinkcolor" val="tx"/>
+                      <ahyp:hlinkClr xmlns:ahyp="http://schemas.microsoft.com/office/drawing/2018/hyperlinkcolor" xmlns="" val="tx"/>
                     </a:ext>
                   </a:extLst>
                 </a:hlinkClick>
@@ -16213,11 +16253,12 @@
                 <a:solidFill>
                   <a:srgbClr val="323130"/>
                 </a:solidFill>
-                <a:latin typeface="az_ea_font"/>
+                <a:latin typeface="맑은 고딕" panose="020B0503020000020004" pitchFamily="50" charset="-127"/>
+                <a:ea typeface="맑은 고딕" panose="020B0503020000020004" pitchFamily="50" charset="-127"/>
                 <a:hlinkClick r:id="rId21">
                   <a:extLst>
                     <a:ext uri="{A12FA001-AC4F-418D-AE19-62706E023703}">
-                      <ahyp:hlinkClr xmlns:ahyp="http://schemas.microsoft.com/office/drawing/2018/hyperlinkcolor" val="tx"/>
+                      <ahyp:hlinkClr xmlns:ahyp="http://schemas.microsoft.com/office/drawing/2018/hyperlinkcolor" xmlns="" val="tx"/>
                     </a:ext>
                   </a:extLst>
                 </a:hlinkClick>
@@ -16229,11 +16270,12 @@
                 <a:solidFill>
                   <a:srgbClr val="323130"/>
                 </a:solidFill>
-                <a:latin typeface="az_ea_font"/>
+                <a:latin typeface="맑은 고딕" panose="020B0503020000020004" pitchFamily="50" charset="-127"/>
+                <a:ea typeface="맑은 고딕" panose="020B0503020000020004" pitchFamily="50" charset="-127"/>
                 <a:hlinkClick r:id="rId21">
                   <a:extLst>
                     <a:ext uri="{A12FA001-AC4F-418D-AE19-62706E023703}">
-                      <ahyp:hlinkClr xmlns:ahyp="http://schemas.microsoft.com/office/drawing/2018/hyperlinkcolor" val="tx"/>
+                      <ahyp:hlinkClr xmlns:ahyp="http://schemas.microsoft.com/office/drawing/2018/hyperlinkcolor" xmlns="" val="tx"/>
                     </a:ext>
                   </a:extLst>
                 </a:hlinkClick>
@@ -16244,7 +16286,8 @@
               <a:solidFill>
                 <a:srgbClr val="323130"/>
               </a:solidFill>
-              <a:latin typeface="az_ea_font"/>
+              <a:latin typeface="맑은 고딕" panose="020B0503020000020004" pitchFamily="50" charset="-127"/>
+              <a:ea typeface="맑은 고딕" panose="020B0503020000020004" pitchFamily="50" charset="-127"/>
             </a:endParaRPr>
           </a:p>
           <a:p>
@@ -16253,7 +16296,8 @@
                 <a:solidFill>
                   <a:srgbClr val="323130"/>
                 </a:solidFill>
-                <a:latin typeface="az_ea_font"/>
+                <a:latin typeface="맑은 고딕" panose="020B0503020000020004" pitchFamily="50" charset="-127"/>
+                <a:ea typeface="맑은 고딕" panose="020B0503020000020004" pitchFamily="50" charset="-127"/>
               </a:rPr>
               <a:t>skcc1-homepage-dev-cdn</a:t>
             </a:r>
@@ -16261,7 +16305,8 @@
               <a:solidFill>
                 <a:srgbClr val="323130"/>
               </a:solidFill>
-              <a:latin typeface="az_ea_font"/>
+              <a:latin typeface="맑은 고딕" panose="020B0503020000020004" pitchFamily="50" charset="-127"/>
+              <a:ea typeface="맑은 고딕" panose="020B0503020000020004" pitchFamily="50" charset="-127"/>
             </a:endParaRPr>
           </a:p>
         </p:txBody>
@@ -16423,7 +16468,7 @@
         <p:spPr>
           <a:xfrm>
             <a:off x="8255037" y="4740143"/>
-            <a:ext cx="1292249" cy="908949"/>
+            <a:ext cx="1413371" cy="908949"/>
           </a:xfrm>
           <a:prstGeom prst="rect">
             <a:avLst/>
@@ -16459,7 +16504,7 @@
               <a:defRPr/>
             </a:pPr>
             <a:r>
-              <a:rPr lang="en-US" altLang="ko-KR" sz="800" err="1">
+              <a:rPr lang="en-US" altLang="ko-KR" sz="800" dirty="0" err="1">
                 <a:solidFill>
                   <a:schemeClr val="tx1"/>
                 </a:solidFill>
@@ -16469,7 +16514,7 @@
               <a:t>mysql</a:t>
             </a:r>
             <a:r>
-              <a:rPr lang="en-US" altLang="ko-KR" sz="800">
+              <a:rPr lang="en-US" altLang="ko-KR" sz="800" dirty="0">
                 <a:solidFill>
                   <a:schemeClr val="tx1"/>
                 </a:solidFill>
@@ -16479,7 +16524,7 @@
               <a:t>-homepage-</a:t>
             </a:r>
             <a:r>
-              <a:rPr lang="en-US" altLang="ko-KR" sz="800" err="1">
+              <a:rPr lang="en-US" altLang="ko-KR" sz="800" dirty="0" err="1">
                 <a:solidFill>
                   <a:schemeClr val="tx1"/>
                 </a:solidFill>
@@ -16488,8 +16533,18 @@
               </a:rPr>
               <a:t>prd</a:t>
             </a:r>
+            <a:r>
+              <a:rPr lang="en-US" altLang="ko-KR" sz="800" dirty="0">
+                <a:solidFill>
+                  <a:schemeClr val="tx1"/>
+                </a:solidFill>
+                <a:latin typeface="맑은 고딕" pitchFamily="50" charset="-127"/>
+                <a:ea typeface="맑은 고딕" pitchFamily="50" charset="-127"/>
+              </a:rPr>
+              <a:t/>
+            </a:r>
             <a:br>
-              <a:rPr lang="en-US" altLang="ko-KR" sz="800">
+              <a:rPr lang="en-US" altLang="ko-KR" sz="800" dirty="0">
                 <a:solidFill>
                   <a:schemeClr val="tx1"/>
                 </a:solidFill>
@@ -16498,7 +16553,7 @@
               </a:rPr>
             </a:br>
             <a:r>
-              <a:rPr lang="en-US" altLang="ko-KR" sz="800">
+              <a:rPr lang="en-US" altLang="ko-KR" sz="800" dirty="0">
                 <a:solidFill>
                   <a:schemeClr val="tx1"/>
                 </a:solidFill>
@@ -16508,16 +16563,27 @@
               <a:t>(</a:t>
             </a:r>
             <a:r>
-              <a:rPr lang="en-US" altLang="ko-KR" sz="800" b="0" i="0">
+              <a:rPr lang="en-US" altLang="ko-KR" sz="800" b="0" i="0" dirty="0">
+                <a:solidFill>
+                  <a:srgbClr val="000000"/>
+                </a:solidFill>
+                <a:effectLst/>
+                <a:latin typeface="맑은 고딕" panose="020B0503020000020004" pitchFamily="50" charset="-127"/>
+                <a:ea typeface="맑은 고딕" panose="020B0503020000020004" pitchFamily="50" charset="-127"/>
+              </a:rPr>
+              <a:t>mysql-homepage-prd.mysql.database.azure.com</a:t>
+            </a:r>
+            <a:r>
+              <a:rPr lang="en-US" altLang="ko-KR" sz="800" b="0" i="0" dirty="0">
                 <a:solidFill>
                   <a:srgbClr val="000000"/>
                 </a:solidFill>
                 <a:effectLst/>
                 <a:latin typeface="az_ea_font"/>
               </a:rPr>
-              <a:t>mysql-homepage-prd.mysql.database.azure.com)</a:t>
-            </a:r>
-            <a:endParaRPr lang="ko-KR" altLang="en-US" sz="800">
+              <a:t>)</a:t>
+            </a:r>
+            <a:endParaRPr lang="ko-KR" altLang="en-US" sz="800" dirty="0">
               <a:solidFill>
                 <a:schemeClr val="tx1"/>
               </a:solidFill>
@@ -17492,7 +17558,7 @@
                 <a:hlinkClick r:id="rId25">
                   <a:extLst>
                     <a:ext uri="{A12FA001-AC4F-418D-AE19-62706E023703}">
-                      <ahyp:hlinkClr xmlns:ahyp="http://schemas.microsoft.com/office/drawing/2018/hyperlinkcolor" val="tx"/>
+                      <ahyp:hlinkClr xmlns:ahyp="http://schemas.microsoft.com/office/drawing/2018/hyperlinkcolor" xmlns="" val="tx"/>
                     </a:ext>
                   </a:extLst>
                 </a:hlinkClick>
@@ -18729,21 +18795,6 @@
 </file>
 
 <file path=customXml/item1.xml><?xml version="1.0" encoding="utf-8"?>
-<?mso-contentType ?>
-<FormTemplates xmlns="http://schemas.microsoft.com/sharepoint/v3/contenttype/forms">
-  <Display>DocumentLibraryForm</Display>
-  <Edit>DocumentLibraryForm</Edit>
-  <New>DocumentLibraryForm</New>
-</FormTemplates>
-</file>
-
-<file path=customXml/item2.xml><?xml version="1.0" encoding="utf-8"?>
-<p:properties xmlns:p="http://schemas.microsoft.com/office/2006/metadata/properties" xmlns:xsi="http://www.w3.org/2001/XMLSchema-instance" xmlns:pc="http://schemas.microsoft.com/office/infopath/2007/PartnerControls">
-  <documentManagement/>
-</p:properties>
-</file>
-
-<file path=customXml/item3.xml><?xml version="1.0" encoding="utf-8"?>
 <ct:contentTypeSchema xmlns:ct="http://schemas.microsoft.com/office/2006/metadata/contentType" xmlns:ma="http://schemas.microsoft.com/office/2006/metadata/properties/metaAttributes" ct:_="" ma:_="" ma:contentTypeName="Document" ma:contentTypeID="0x010100ABEF4548970FA44F9CC241B1AE635999" ma:contentTypeVersion="8" ma:contentTypeDescription="Create a new document." ma:contentTypeScope="" ma:versionID="e9878c6982014a57f80c7d0ef44dc11e">
   <xsd:schema xmlns:xsd="http://www.w3.org/2001/XMLSchema" xmlns:xs="http://www.w3.org/2001/XMLSchema" xmlns:p="http://schemas.microsoft.com/office/2006/metadata/properties" xmlns:ns2="03cb5c7b-df67-49fb-9ba2-44f7a2af7a58" targetNamespace="http://schemas.microsoft.com/office/2006/metadata/properties" ma:root="true" ma:fieldsID="af9bdf6547d8347bbb2a402cc99961a0" ns2:_="">
     <xsd:import namespace="03cb5c7b-df67-49fb-9ba2-44f7a2af7a58"/>
@@ -18915,10 +18966,35 @@
 </ct:contentTypeSchema>
 </file>
 
+<file path=customXml/item2.xml><?xml version="1.0" encoding="utf-8"?>
+<p:properties xmlns:p="http://schemas.microsoft.com/office/2006/metadata/properties" xmlns:xsi="http://www.w3.org/2001/XMLSchema-instance" xmlns:pc="http://schemas.microsoft.com/office/infopath/2007/PartnerControls">
+  <documentManagement/>
+</p:properties>
+</file>
+
+<file path=customXml/item3.xml><?xml version="1.0" encoding="utf-8"?>
+<?mso-contentType ?>
+<FormTemplates xmlns="http://schemas.microsoft.com/sharepoint/v3/contenttype/forms">
+  <Display>DocumentLibraryForm</Display>
+  <Edit>DocumentLibraryForm</Edit>
+  <New>DocumentLibraryForm</New>
+</FormTemplates>
+</file>
+
 <file path=customXml/itemProps1.xml><?xml version="1.0" encoding="utf-8"?>
-<ds:datastoreItem xmlns:ds="http://schemas.openxmlformats.org/officeDocument/2006/customXml" ds:itemID="{0108BB32-F095-4499-B647-4494DBB16B4A}">
+<ds:datastoreItem xmlns:ds="http://schemas.openxmlformats.org/officeDocument/2006/customXml" ds:itemID="{384DC346-DE8C-435E-8D1D-1B03BF9EDC65}">
   <ds:schemaRefs>
-    <ds:schemaRef ds:uri="http://schemas.microsoft.com/sharepoint/v3/contenttype/forms"/>
+    <ds:schemaRef ds:uri="03cb5c7b-df67-49fb-9ba2-44f7a2af7a58"/>
+    <ds:schemaRef ds:uri="http://purl.org/dc/elements/1.1/"/>
+    <ds:schemaRef ds:uri="http://purl.org/dc/terms/"/>
+    <ds:schemaRef ds:uri="http://schemas.microsoft.com/internal/obd"/>
+    <ds:schemaRef ds:uri="http://schemas.microsoft.com/office/2006/documentManagement/types"/>
+    <ds:schemaRef ds:uri="http://schemas.microsoft.com/office/2006/metadata/contentType"/>
+    <ds:schemaRef ds:uri="http://schemas.microsoft.com/office/2006/metadata/properties"/>
+    <ds:schemaRef ds:uri="http://schemas.microsoft.com/office/2006/metadata/properties/metaAttributes"/>
+    <ds:schemaRef ds:uri="http://schemas.microsoft.com/office/infopath/2007/PartnerControls"/>
+    <ds:schemaRef ds:uri="http://schemas.openxmlformats.org/package/2006/metadata/core-properties"/>
+    <ds:schemaRef ds:uri="http://www.w3.org/2001/XMLSchema"/>
   </ds:schemaRefs>
 </ds:datastoreItem>
 </file>
@@ -18940,19 +19016,9 @@
 </file>
 
 <file path=customXml/itemProps3.xml><?xml version="1.0" encoding="utf-8"?>
-<ds:datastoreItem xmlns:ds="http://schemas.openxmlformats.org/officeDocument/2006/customXml" ds:itemID="{384DC346-DE8C-435E-8D1D-1B03BF9EDC65}">
+<ds:datastoreItem xmlns:ds="http://schemas.openxmlformats.org/officeDocument/2006/customXml" ds:itemID="{0108BB32-F095-4499-B647-4494DBB16B4A}">
   <ds:schemaRefs>
-    <ds:schemaRef ds:uri="03cb5c7b-df67-49fb-9ba2-44f7a2af7a58"/>
-    <ds:schemaRef ds:uri="http://purl.org/dc/elements/1.1/"/>
-    <ds:schemaRef ds:uri="http://purl.org/dc/terms/"/>
-    <ds:schemaRef ds:uri="http://schemas.microsoft.com/internal/obd"/>
-    <ds:schemaRef ds:uri="http://schemas.microsoft.com/office/2006/documentManagement/types"/>
-    <ds:schemaRef ds:uri="http://schemas.microsoft.com/office/2006/metadata/contentType"/>
-    <ds:schemaRef ds:uri="http://schemas.microsoft.com/office/2006/metadata/properties"/>
-    <ds:schemaRef ds:uri="http://schemas.microsoft.com/office/2006/metadata/properties/metaAttributes"/>
-    <ds:schemaRef ds:uri="http://schemas.microsoft.com/office/infopath/2007/PartnerControls"/>
-    <ds:schemaRef ds:uri="http://schemas.openxmlformats.org/package/2006/metadata/core-properties"/>
-    <ds:schemaRef ds:uri="http://www.w3.org/2001/XMLSchema"/>
+    <ds:schemaRef ds:uri="http://schemas.microsoft.com/sharepoint/v3/contenttype/forms"/>
   </ds:schemaRefs>
 </ds:datastoreItem>
 </file>